--- a/concept/concept.pptx
+++ b/concept/concept.pptx
@@ -272,7 +272,7 @@
           <a:p>
             <a:fld id="{DB6A4DDB-01F1-40F1-B9E3-258FBAA7F14D}" type="datetimeFigureOut">
               <a:rPr lang="en-IL" smtClean="0"/>
-              <a:t>28/02/2024</a:t>
+              <a:t>29/02/2024</a:t>
             </a:fld>
             <a:endParaRPr lang="en-IL"/>
           </a:p>
@@ -472,7 +472,7 @@
           <a:p>
             <a:fld id="{DB6A4DDB-01F1-40F1-B9E3-258FBAA7F14D}" type="datetimeFigureOut">
               <a:rPr lang="en-IL" smtClean="0"/>
-              <a:t>28/02/2024</a:t>
+              <a:t>29/02/2024</a:t>
             </a:fld>
             <a:endParaRPr lang="en-IL"/>
           </a:p>
@@ -682,7 +682,7 @@
           <a:p>
             <a:fld id="{DB6A4DDB-01F1-40F1-B9E3-258FBAA7F14D}" type="datetimeFigureOut">
               <a:rPr lang="en-IL" smtClean="0"/>
-              <a:t>28/02/2024</a:t>
+              <a:t>29/02/2024</a:t>
             </a:fld>
             <a:endParaRPr lang="en-IL"/>
           </a:p>
@@ -882,7 +882,7 @@
           <a:p>
             <a:fld id="{DB6A4DDB-01F1-40F1-B9E3-258FBAA7F14D}" type="datetimeFigureOut">
               <a:rPr lang="en-IL" smtClean="0"/>
-              <a:t>28/02/2024</a:t>
+              <a:t>29/02/2024</a:t>
             </a:fld>
             <a:endParaRPr lang="en-IL"/>
           </a:p>
@@ -1158,7 +1158,7 @@
           <a:p>
             <a:fld id="{DB6A4DDB-01F1-40F1-B9E3-258FBAA7F14D}" type="datetimeFigureOut">
               <a:rPr lang="en-IL" smtClean="0"/>
-              <a:t>28/02/2024</a:t>
+              <a:t>29/02/2024</a:t>
             </a:fld>
             <a:endParaRPr lang="en-IL"/>
           </a:p>
@@ -1426,7 +1426,7 @@
           <a:p>
             <a:fld id="{DB6A4DDB-01F1-40F1-B9E3-258FBAA7F14D}" type="datetimeFigureOut">
               <a:rPr lang="en-IL" smtClean="0"/>
-              <a:t>28/02/2024</a:t>
+              <a:t>29/02/2024</a:t>
             </a:fld>
             <a:endParaRPr lang="en-IL"/>
           </a:p>
@@ -1841,7 +1841,7 @@
           <a:p>
             <a:fld id="{DB6A4DDB-01F1-40F1-B9E3-258FBAA7F14D}" type="datetimeFigureOut">
               <a:rPr lang="en-IL" smtClean="0"/>
-              <a:t>28/02/2024</a:t>
+              <a:t>29/02/2024</a:t>
             </a:fld>
             <a:endParaRPr lang="en-IL"/>
           </a:p>
@@ -1983,7 +1983,7 @@
           <a:p>
             <a:fld id="{DB6A4DDB-01F1-40F1-B9E3-258FBAA7F14D}" type="datetimeFigureOut">
               <a:rPr lang="en-IL" smtClean="0"/>
-              <a:t>28/02/2024</a:t>
+              <a:t>29/02/2024</a:t>
             </a:fld>
             <a:endParaRPr lang="en-IL"/>
           </a:p>
@@ -2096,7 +2096,7 @@
           <a:p>
             <a:fld id="{DB6A4DDB-01F1-40F1-B9E3-258FBAA7F14D}" type="datetimeFigureOut">
               <a:rPr lang="en-IL" smtClean="0"/>
-              <a:t>28/02/2024</a:t>
+              <a:t>29/02/2024</a:t>
             </a:fld>
             <a:endParaRPr lang="en-IL"/>
           </a:p>
@@ -2409,7 +2409,7 @@
           <a:p>
             <a:fld id="{DB6A4DDB-01F1-40F1-B9E3-258FBAA7F14D}" type="datetimeFigureOut">
               <a:rPr lang="en-IL" smtClean="0"/>
-              <a:t>28/02/2024</a:t>
+              <a:t>29/02/2024</a:t>
             </a:fld>
             <a:endParaRPr lang="en-IL"/>
           </a:p>
@@ -2698,7 +2698,7 @@
           <a:p>
             <a:fld id="{DB6A4DDB-01F1-40F1-B9E3-258FBAA7F14D}" type="datetimeFigureOut">
               <a:rPr lang="en-IL" smtClean="0"/>
-              <a:t>28/02/2024</a:t>
+              <a:t>29/02/2024</a:t>
             </a:fld>
             <a:endParaRPr lang="en-IL"/>
           </a:p>
@@ -2941,7 +2941,7 @@
           <a:p>
             <a:fld id="{DB6A4DDB-01F1-40F1-B9E3-258FBAA7F14D}" type="datetimeFigureOut">
               <a:rPr lang="en-IL" smtClean="0"/>
-              <a:t>28/02/2024</a:t>
+              <a:t>29/02/2024</a:t>
             </a:fld>
             <a:endParaRPr lang="en-IL"/>
           </a:p>
@@ -3586,6 +3586,9 @@
           <a:prstGeom prst="heart">
             <a:avLst/>
           </a:prstGeom>
+          <a:solidFill>
+            <a:schemeClr val="bg1"/>
+          </a:solidFill>
         </p:spPr>
         <p:style>
           <a:lnRef idx="2">
@@ -3632,6 +3635,9 @@
           <a:prstGeom prst="heart">
             <a:avLst/>
           </a:prstGeom>
+          <a:solidFill>
+            <a:schemeClr val="bg1"/>
+          </a:solidFill>
         </p:spPr>
         <p:style>
           <a:lnRef idx="2">
